--- a/oran/O-RAN 20230313-20230317.pptx
+++ b/oran/O-RAN 20230313-20230317.pptx
@@ -5,21 +5,21 @@
     <p:sldMasterId id="2147483648" r:id="rId1"/>
   </p:sldMasterIdLst>
   <p:notesMasterIdLst>
-    <p:notesMasterId r:id="rId14"/>
+    <p:notesMasterId r:id="rId9"/>
   </p:notesMasterIdLst>
   <p:sldIdLst>
-    <p:sldId id="256" r:id="rId2"/>
-    <p:sldId id="262" r:id="rId3"/>
-    <p:sldId id="257" r:id="rId4"/>
-    <p:sldId id="261" r:id="rId5"/>
-    <p:sldId id="282" r:id="rId6"/>
-    <p:sldId id="337" r:id="rId7"/>
-    <p:sldId id="325" r:id="rId8"/>
-    <p:sldId id="326" r:id="rId9"/>
-    <p:sldId id="338" r:id="rId10"/>
-    <p:sldId id="263" r:id="rId11"/>
-    <p:sldId id="264" r:id="rId12"/>
-    <p:sldId id="265" r:id="rId13"/>
+    <p:sldId id="256" r:id="rId3"/>
+    <p:sldId id="262" r:id="rId4"/>
+    <p:sldId id="257" r:id="rId5"/>
+    <p:sldId id="261" r:id="rId6"/>
+    <p:sldId id="282" r:id="rId7"/>
+    <p:sldId id="337" r:id="rId8"/>
+    <p:sldId id="325" r:id="rId10"/>
+    <p:sldId id="326" r:id="rId11"/>
+    <p:sldId id="338" r:id="rId12"/>
+    <p:sldId id="263" r:id="rId13"/>
+    <p:sldId id="264" r:id="rId14"/>
+    <p:sldId id="265" r:id="rId15"/>
   </p:sldIdLst>
   <p:sldSz cx="9906000" cy="6858000" type="A4"/>
   <p:notesSz cx="6858000" cy="9144000"/>
@@ -118,22 +118,6 @@
       </a:defRPr>
     </a:lvl9pPr>
   </p:defaultTextStyle>
-  <p:extLst>
-    <p:ext uri="{EFAFB233-063F-42B5-8137-9DF3F51BA10A}">
-      <p15:sldGuideLst xmlns:p15="http://schemas.microsoft.com/office/powerpoint/2012/main">
-        <p15:guide id="1" orient="horz" pos="2160">
-          <p15:clr>
-            <a:srgbClr val="A4A3A4"/>
-          </p15:clr>
-        </p15:guide>
-        <p15:guide id="2" pos="3120">
-          <p15:clr>
-            <a:srgbClr val="A4A3A4"/>
-          </p15:clr>
-        </p15:guide>
-      </p15:sldGuideLst>
-    </p:ext>
-  </p:extLst>
 </p:presentation>
 </file>
 
@@ -219,7 +203,6 @@
           <a:p>
             <a:fld id="{74476D26-8C30-2E4B-A173-C50811188F72}" type="datetimeFigureOut">
               <a:rPr lang="en-US" smtClean="0"/>
-              <a:t>3/17/23</a:t>
             </a:fld>
             <a:endParaRPr lang="en-US"/>
           </a:p>
@@ -286,6 +269,7 @@
               <a:rPr lang="en-US"/>
               <a:t>Click to edit Master text styles</a:t>
             </a:r>
+            <a:endParaRPr lang="en-US"/>
           </a:p>
           <a:p>
             <a:pPr lvl="1"/>
@@ -293,6 +277,7 @@
               <a:rPr lang="en-US"/>
               <a:t>Second level</a:t>
             </a:r>
+            <a:endParaRPr lang="en-US"/>
           </a:p>
           <a:p>
             <a:pPr lvl="2"/>
@@ -300,6 +285,7 @@
               <a:rPr lang="en-US"/>
               <a:t>Third level</a:t>
             </a:r>
+            <a:endParaRPr lang="en-US"/>
           </a:p>
           <a:p>
             <a:pPr lvl="3"/>
@@ -307,6 +293,7 @@
               <a:rPr lang="en-US"/>
               <a:t>Fourth level</a:t>
             </a:r>
+            <a:endParaRPr lang="en-US"/>
           </a:p>
           <a:p>
             <a:pPr lvl="4"/>
@@ -314,6 +301,7 @@
               <a:rPr lang="en-US"/>
               <a:t>Fifth level</a:t>
             </a:r>
+            <a:endParaRPr lang="en-US"/>
           </a:p>
         </p:txBody>
       </p:sp>
@@ -377,7 +365,6 @@
           <a:p>
             <a:fld id="{747684FA-A857-1C43-8DE5-1668ADB2B977}" type="slidenum">
               <a:rPr lang="en-US" smtClean="0"/>
-              <a:t>‹#›</a:t>
             </a:fld>
             <a:endParaRPr lang="en-US"/>
           </a:p>
@@ -546,7 +533,6 @@
           <a:p>
             <a:fld id="{747684FA-A857-1C43-8DE5-1668ADB2B977}" type="slidenum">
               <a:rPr lang="en-US" smtClean="0"/>
-              <a:t>6</a:t>
             </a:fld>
             <a:endParaRPr lang="en-US"/>
           </a:p>
@@ -625,7 +611,6 @@
           <a:p>
             <a:fld id="{747684FA-A857-1C43-8DE5-1668ADB2B977}" type="slidenum">
               <a:rPr lang="en-US" smtClean="0"/>
-              <a:t>7</a:t>
             </a:fld>
             <a:endParaRPr lang="en-US"/>
           </a:p>
@@ -704,7 +689,6 @@
           <a:p>
             <a:fld id="{747684FA-A857-1C43-8DE5-1668ADB2B977}" type="slidenum">
               <a:rPr lang="en-US" smtClean="0"/>
-              <a:t>8</a:t>
             </a:fld>
             <a:endParaRPr lang="en-US"/>
           </a:p>
@@ -783,7 +767,6 @@
           <a:p>
             <a:fld id="{747684FA-A857-1C43-8DE5-1668ADB2B977}" type="slidenum">
               <a:rPr lang="en-US" smtClean="0"/>
-              <a:t>9</a:t>
             </a:fld>
             <a:endParaRPr lang="en-US"/>
           </a:p>
@@ -928,7 +911,6 @@
           <a:p>
             <a:fld id="{30263952-EF9F-574F-8E67-8B7132D3334C}" type="datetimeFigureOut">
               <a:rPr lang="x-none" smtClean="0"/>
-              <a:t>3/17/23</a:t>
             </a:fld>
             <a:endParaRPr lang="x-none"/>
           </a:p>
@@ -970,7 +952,6 @@
           <a:p>
             <a:fld id="{6F520BE6-EE1A-B145-9884-CF204F90630F}" type="slidenum">
               <a:rPr lang="x-none" smtClean="0"/>
-              <a:t>‹#›</a:t>
             </a:fld>
             <a:endParaRPr lang="x-none"/>
           </a:p>
@@ -1044,6 +1025,7 @@
               <a:rPr lang="en-US"/>
               <a:t>Click to edit Master text styles</a:t>
             </a:r>
+            <a:endParaRPr lang="en-US"/>
           </a:p>
           <a:p>
             <a:pPr lvl="1"/>
@@ -1051,6 +1033,7 @@
               <a:rPr lang="en-US"/>
               <a:t>Second level</a:t>
             </a:r>
+            <a:endParaRPr lang="en-US"/>
           </a:p>
           <a:p>
             <a:pPr lvl="2"/>
@@ -1058,6 +1041,7 @@
               <a:rPr lang="en-US"/>
               <a:t>Third level</a:t>
             </a:r>
+            <a:endParaRPr lang="en-US"/>
           </a:p>
           <a:p>
             <a:pPr lvl="3"/>
@@ -1065,6 +1049,7 @@
               <a:rPr lang="en-US"/>
               <a:t>Fourth level</a:t>
             </a:r>
+            <a:endParaRPr lang="en-US"/>
           </a:p>
           <a:p>
             <a:pPr lvl="4"/>
@@ -1093,7 +1078,6 @@
           <a:p>
             <a:fld id="{30263952-EF9F-574F-8E67-8B7132D3334C}" type="datetimeFigureOut">
               <a:rPr lang="x-none" smtClean="0"/>
-              <a:t>3/17/23</a:t>
             </a:fld>
             <a:endParaRPr lang="x-none"/>
           </a:p>
@@ -1135,7 +1119,6 @@
           <a:p>
             <a:fld id="{6F520BE6-EE1A-B145-9884-CF204F90630F}" type="slidenum">
               <a:rPr lang="x-none" smtClean="0"/>
-              <a:t>‹#›</a:t>
             </a:fld>
             <a:endParaRPr lang="x-none"/>
           </a:p>
@@ -1219,6 +1202,7 @@
               <a:rPr lang="en-US"/>
               <a:t>Click to edit Master text styles</a:t>
             </a:r>
+            <a:endParaRPr lang="en-US"/>
           </a:p>
           <a:p>
             <a:pPr lvl="1"/>
@@ -1226,6 +1210,7 @@
               <a:rPr lang="en-US"/>
               <a:t>Second level</a:t>
             </a:r>
+            <a:endParaRPr lang="en-US"/>
           </a:p>
           <a:p>
             <a:pPr lvl="2"/>
@@ -1233,6 +1218,7 @@
               <a:rPr lang="en-US"/>
               <a:t>Third level</a:t>
             </a:r>
+            <a:endParaRPr lang="en-US"/>
           </a:p>
           <a:p>
             <a:pPr lvl="3"/>
@@ -1240,6 +1226,7 @@
               <a:rPr lang="en-US"/>
               <a:t>Fourth level</a:t>
             </a:r>
+            <a:endParaRPr lang="en-US"/>
           </a:p>
           <a:p>
             <a:pPr lvl="4"/>
@@ -1268,7 +1255,6 @@
           <a:p>
             <a:fld id="{30263952-EF9F-574F-8E67-8B7132D3334C}" type="datetimeFigureOut">
               <a:rPr lang="x-none" smtClean="0"/>
-              <a:t>3/17/23</a:t>
             </a:fld>
             <a:endParaRPr lang="x-none"/>
           </a:p>
@@ -1310,7 +1296,6 @@
           <a:p>
             <a:fld id="{6F520BE6-EE1A-B145-9884-CF204F90630F}" type="slidenum">
               <a:rPr lang="x-none" smtClean="0"/>
-              <a:t>‹#›</a:t>
             </a:fld>
             <a:endParaRPr lang="x-none"/>
           </a:p>
@@ -1384,6 +1369,7 @@
               <a:rPr lang="en-US"/>
               <a:t>Click to edit Master text styles</a:t>
             </a:r>
+            <a:endParaRPr lang="en-US"/>
           </a:p>
           <a:p>
             <a:pPr lvl="1"/>
@@ -1391,6 +1377,7 @@
               <a:rPr lang="en-US"/>
               <a:t>Second level</a:t>
             </a:r>
+            <a:endParaRPr lang="en-US"/>
           </a:p>
           <a:p>
             <a:pPr lvl="2"/>
@@ -1398,6 +1385,7 @@
               <a:rPr lang="en-US"/>
               <a:t>Third level</a:t>
             </a:r>
+            <a:endParaRPr lang="en-US"/>
           </a:p>
           <a:p>
             <a:pPr lvl="3"/>
@@ -1405,6 +1393,7 @@
               <a:rPr lang="en-US"/>
               <a:t>Fourth level</a:t>
             </a:r>
+            <a:endParaRPr lang="en-US"/>
           </a:p>
           <a:p>
             <a:pPr lvl="4"/>
@@ -1433,7 +1422,6 @@
           <a:p>
             <a:fld id="{30263952-EF9F-574F-8E67-8B7132D3334C}" type="datetimeFigureOut">
               <a:rPr lang="x-none" smtClean="0"/>
-              <a:t>3/17/23</a:t>
             </a:fld>
             <a:endParaRPr lang="x-none"/>
           </a:p>
@@ -1475,7 +1463,6 @@
           <a:p>
             <a:fld id="{6F520BE6-EE1A-B145-9884-CF204F90630F}" type="slidenum">
               <a:rPr lang="x-none" smtClean="0"/>
-              <a:t>‹#›</a:t>
             </a:fld>
             <a:endParaRPr lang="x-none"/>
           </a:p>
@@ -1652,6 +1639,7 @@
               <a:rPr lang="en-US"/>
               <a:t>Click to edit Master text styles</a:t>
             </a:r>
+            <a:endParaRPr lang="en-US"/>
           </a:p>
         </p:txBody>
       </p:sp>
@@ -1672,7 +1660,6 @@
           <a:p>
             <a:fld id="{30263952-EF9F-574F-8E67-8B7132D3334C}" type="datetimeFigureOut">
               <a:rPr lang="x-none" smtClean="0"/>
-              <a:t>3/17/23</a:t>
             </a:fld>
             <a:endParaRPr lang="x-none"/>
           </a:p>
@@ -1714,7 +1701,6 @@
           <a:p>
             <a:fld id="{6F520BE6-EE1A-B145-9884-CF204F90630F}" type="slidenum">
               <a:rPr lang="x-none" smtClean="0"/>
-              <a:t>‹#›</a:t>
             </a:fld>
             <a:endParaRPr lang="x-none"/>
           </a:p>
@@ -1793,6 +1779,7 @@
               <a:rPr lang="en-US"/>
               <a:t>Click to edit Master text styles</a:t>
             </a:r>
+            <a:endParaRPr lang="en-US"/>
           </a:p>
           <a:p>
             <a:pPr lvl="1"/>
@@ -1800,6 +1787,7 @@
               <a:rPr lang="en-US"/>
               <a:t>Second level</a:t>
             </a:r>
+            <a:endParaRPr lang="en-US"/>
           </a:p>
           <a:p>
             <a:pPr lvl="2"/>
@@ -1807,6 +1795,7 @@
               <a:rPr lang="en-US"/>
               <a:t>Third level</a:t>
             </a:r>
+            <a:endParaRPr lang="en-US"/>
           </a:p>
           <a:p>
             <a:pPr lvl="3"/>
@@ -1814,6 +1803,7 @@
               <a:rPr lang="en-US"/>
               <a:t>Fourth level</a:t>
             </a:r>
+            <a:endParaRPr lang="en-US"/>
           </a:p>
           <a:p>
             <a:pPr lvl="4"/>
@@ -1850,6 +1840,7 @@
               <a:rPr lang="en-US"/>
               <a:t>Click to edit Master text styles</a:t>
             </a:r>
+            <a:endParaRPr lang="en-US"/>
           </a:p>
           <a:p>
             <a:pPr lvl="1"/>
@@ -1857,6 +1848,7 @@
               <a:rPr lang="en-US"/>
               <a:t>Second level</a:t>
             </a:r>
+            <a:endParaRPr lang="en-US"/>
           </a:p>
           <a:p>
             <a:pPr lvl="2"/>
@@ -1864,6 +1856,7 @@
               <a:rPr lang="en-US"/>
               <a:t>Third level</a:t>
             </a:r>
+            <a:endParaRPr lang="en-US"/>
           </a:p>
           <a:p>
             <a:pPr lvl="3"/>
@@ -1871,6 +1864,7 @@
               <a:rPr lang="en-US"/>
               <a:t>Fourth level</a:t>
             </a:r>
+            <a:endParaRPr lang="en-US"/>
           </a:p>
           <a:p>
             <a:pPr lvl="4"/>
@@ -1899,7 +1893,6 @@
           <a:p>
             <a:fld id="{30263952-EF9F-574F-8E67-8B7132D3334C}" type="datetimeFigureOut">
               <a:rPr lang="x-none" smtClean="0"/>
-              <a:t>3/17/23</a:t>
             </a:fld>
             <a:endParaRPr lang="x-none"/>
           </a:p>
@@ -1941,7 +1934,6 @@
           <a:p>
             <a:fld id="{6F520BE6-EE1A-B145-9884-CF204F90630F}" type="slidenum">
               <a:rPr lang="x-none" smtClean="0"/>
-              <a:t>‹#›</a:t>
             </a:fld>
             <a:endParaRPr lang="x-none"/>
           </a:p>
@@ -2062,6 +2054,7 @@
               <a:rPr lang="en-US"/>
               <a:t>Click to edit Master text styles</a:t>
             </a:r>
+            <a:endParaRPr lang="en-US"/>
           </a:p>
         </p:txBody>
       </p:sp>
@@ -2090,6 +2083,7 @@
               <a:rPr lang="en-US"/>
               <a:t>Click to edit Master text styles</a:t>
             </a:r>
+            <a:endParaRPr lang="en-US"/>
           </a:p>
           <a:p>
             <a:pPr lvl="1"/>
@@ -2097,6 +2091,7 @@
               <a:rPr lang="en-US"/>
               <a:t>Second level</a:t>
             </a:r>
+            <a:endParaRPr lang="en-US"/>
           </a:p>
           <a:p>
             <a:pPr lvl="2"/>
@@ -2104,6 +2099,7 @@
               <a:rPr lang="en-US"/>
               <a:t>Third level</a:t>
             </a:r>
+            <a:endParaRPr lang="en-US"/>
           </a:p>
           <a:p>
             <a:pPr lvl="3"/>
@@ -2111,6 +2107,7 @@
               <a:rPr lang="en-US"/>
               <a:t>Fourth level</a:t>
             </a:r>
+            <a:endParaRPr lang="en-US"/>
           </a:p>
           <a:p>
             <a:pPr lvl="4"/>
@@ -2184,6 +2181,7 @@
               <a:rPr lang="en-US"/>
               <a:t>Click to edit Master text styles</a:t>
             </a:r>
+            <a:endParaRPr lang="en-US"/>
           </a:p>
         </p:txBody>
       </p:sp>
@@ -2212,6 +2210,7 @@
               <a:rPr lang="en-US"/>
               <a:t>Click to edit Master text styles</a:t>
             </a:r>
+            <a:endParaRPr lang="en-US"/>
           </a:p>
           <a:p>
             <a:pPr lvl="1"/>
@@ -2219,6 +2218,7 @@
               <a:rPr lang="en-US"/>
               <a:t>Second level</a:t>
             </a:r>
+            <a:endParaRPr lang="en-US"/>
           </a:p>
           <a:p>
             <a:pPr lvl="2"/>
@@ -2226,6 +2226,7 @@
               <a:rPr lang="en-US"/>
               <a:t>Third level</a:t>
             </a:r>
+            <a:endParaRPr lang="en-US"/>
           </a:p>
           <a:p>
             <a:pPr lvl="3"/>
@@ -2233,6 +2234,7 @@
               <a:rPr lang="en-US"/>
               <a:t>Fourth level</a:t>
             </a:r>
+            <a:endParaRPr lang="en-US"/>
           </a:p>
           <a:p>
             <a:pPr lvl="4"/>
@@ -2261,7 +2263,6 @@
           <a:p>
             <a:fld id="{30263952-EF9F-574F-8E67-8B7132D3334C}" type="datetimeFigureOut">
               <a:rPr lang="x-none" smtClean="0"/>
-              <a:t>3/17/23</a:t>
             </a:fld>
             <a:endParaRPr lang="x-none"/>
           </a:p>
@@ -2303,7 +2304,6 @@
           <a:p>
             <a:fld id="{6F520BE6-EE1A-B145-9884-CF204F90630F}" type="slidenum">
               <a:rPr lang="x-none" smtClean="0"/>
-              <a:t>‹#›</a:t>
             </a:fld>
             <a:endParaRPr lang="x-none"/>
           </a:p>
@@ -2374,7 +2374,6 @@
           <a:p>
             <a:fld id="{30263952-EF9F-574F-8E67-8B7132D3334C}" type="datetimeFigureOut">
               <a:rPr lang="x-none" smtClean="0"/>
-              <a:t>3/17/23</a:t>
             </a:fld>
             <a:endParaRPr lang="x-none"/>
           </a:p>
@@ -2416,7 +2415,6 @@
           <a:p>
             <a:fld id="{6F520BE6-EE1A-B145-9884-CF204F90630F}" type="slidenum">
               <a:rPr lang="x-none" smtClean="0"/>
-              <a:t>‹#›</a:t>
             </a:fld>
             <a:endParaRPr lang="x-none"/>
           </a:p>
@@ -2464,7 +2462,6 @@
           <a:p>
             <a:fld id="{30263952-EF9F-574F-8E67-8B7132D3334C}" type="datetimeFigureOut">
               <a:rPr lang="x-none" smtClean="0"/>
-              <a:t>3/17/23</a:t>
             </a:fld>
             <a:endParaRPr lang="x-none"/>
           </a:p>
@@ -2506,7 +2503,6 @@
           <a:p>
             <a:fld id="{6F520BE6-EE1A-B145-9884-CF204F90630F}" type="slidenum">
               <a:rPr lang="x-none" smtClean="0"/>
-              <a:t>‹#›</a:t>
             </a:fld>
             <a:endParaRPr lang="x-none"/>
           </a:p>
@@ -2622,6 +2618,7 @@
               <a:rPr lang="en-US"/>
               <a:t>Click to edit Master text styles</a:t>
             </a:r>
+            <a:endParaRPr lang="en-US"/>
           </a:p>
           <a:p>
             <a:pPr lvl="1"/>
@@ -2629,6 +2626,7 @@
               <a:rPr lang="en-US"/>
               <a:t>Second level</a:t>
             </a:r>
+            <a:endParaRPr lang="en-US"/>
           </a:p>
           <a:p>
             <a:pPr lvl="2"/>
@@ -2636,6 +2634,7 @@
               <a:rPr lang="en-US"/>
               <a:t>Third level</a:t>
             </a:r>
+            <a:endParaRPr lang="en-US"/>
           </a:p>
           <a:p>
             <a:pPr lvl="3"/>
@@ -2643,6 +2642,7 @@
               <a:rPr lang="en-US"/>
               <a:t>Fourth level</a:t>
             </a:r>
+            <a:endParaRPr lang="en-US"/>
           </a:p>
           <a:p>
             <a:pPr lvl="4"/>
@@ -2716,6 +2716,7 @@
               <a:rPr lang="en-US"/>
               <a:t>Click to edit Master text styles</a:t>
             </a:r>
+            <a:endParaRPr lang="en-US"/>
           </a:p>
         </p:txBody>
       </p:sp>
@@ -2736,7 +2737,6 @@
           <a:p>
             <a:fld id="{30263952-EF9F-574F-8E67-8B7132D3334C}" type="datetimeFigureOut">
               <a:rPr lang="x-none" smtClean="0"/>
-              <a:t>3/17/23</a:t>
             </a:fld>
             <a:endParaRPr lang="x-none"/>
           </a:p>
@@ -2778,7 +2778,6 @@
           <a:p>
             <a:fld id="{6F520BE6-EE1A-B145-9884-CF204F90630F}" type="slidenum">
               <a:rPr lang="x-none" smtClean="0"/>
-              <a:t>‹#›</a:t>
             </a:fld>
             <a:endParaRPr lang="x-none"/>
           </a:p>
@@ -2968,6 +2967,7 @@
               <a:rPr lang="en-US"/>
               <a:t>Click to edit Master text styles</a:t>
             </a:r>
+            <a:endParaRPr lang="en-US"/>
           </a:p>
         </p:txBody>
       </p:sp>
@@ -2988,7 +2988,6 @@
           <a:p>
             <a:fld id="{30263952-EF9F-574F-8E67-8B7132D3334C}" type="datetimeFigureOut">
               <a:rPr lang="x-none" smtClean="0"/>
-              <a:t>3/17/23</a:t>
             </a:fld>
             <a:endParaRPr lang="x-none"/>
           </a:p>
@@ -3030,7 +3029,6 @@
           <a:p>
             <a:fld id="{6F520BE6-EE1A-B145-9884-CF204F90630F}" type="slidenum">
               <a:rPr lang="x-none" smtClean="0"/>
-              <a:t>‹#›</a:t>
             </a:fld>
             <a:endParaRPr lang="x-none"/>
           </a:p>
@@ -3129,6 +3127,7 @@
               <a:rPr lang="en-US"/>
               <a:t>Click to edit Master text styles</a:t>
             </a:r>
+            <a:endParaRPr lang="en-US"/>
           </a:p>
           <a:p>
             <a:pPr lvl="1"/>
@@ -3136,6 +3135,7 @@
               <a:rPr lang="en-US"/>
               <a:t>Second level</a:t>
             </a:r>
+            <a:endParaRPr lang="en-US"/>
           </a:p>
           <a:p>
             <a:pPr lvl="2"/>
@@ -3143,6 +3143,7 @@
               <a:rPr lang="en-US"/>
               <a:t>Third level</a:t>
             </a:r>
+            <a:endParaRPr lang="en-US"/>
           </a:p>
           <a:p>
             <a:pPr lvl="3"/>
@@ -3150,6 +3151,7 @@
               <a:rPr lang="en-US"/>
               <a:t>Fourth level</a:t>
             </a:r>
+            <a:endParaRPr lang="en-US"/>
           </a:p>
           <a:p>
             <a:pPr lvl="4"/>
@@ -3196,7 +3198,6 @@
           <a:p>
             <a:fld id="{30263952-EF9F-574F-8E67-8B7132D3334C}" type="datetimeFigureOut">
               <a:rPr lang="x-none" smtClean="0"/>
-              <a:t>3/17/23</a:t>
             </a:fld>
             <a:endParaRPr lang="x-none"/>
           </a:p>
@@ -3274,7 +3275,6 @@
           <a:p>
             <a:fld id="{6F520BE6-EE1A-B145-9884-CF204F90630F}" type="slidenum">
               <a:rPr lang="x-none" smtClean="0"/>
-              <a:t>‹#›</a:t>
             </a:fld>
             <a:endParaRPr lang="x-none"/>
           </a:p>
@@ -3731,6 +3731,11 @@
               </a:rPr>
               <a:t>Update draft summary report of KMITI</a:t>
             </a:r>
+            <a:endParaRPr lang="en-US" dirty="0">
+              <a:solidFill>
+                <a:srgbClr val="0432FF"/>
+              </a:solidFill>
+            </a:endParaRPr>
           </a:p>
           <a:p>
             <a:r>
@@ -3757,6 +3762,11 @@
               </a:rPr>
               <a:t>-ran using same protocol</a:t>
             </a:r>
+            <a:endParaRPr lang="en-US" dirty="0">
+              <a:solidFill>
+                <a:srgbClr val="0432FF"/>
+              </a:solidFill>
+            </a:endParaRPr>
           </a:p>
         </p:txBody>
       </p:sp>
@@ -3836,6 +3846,11 @@
               </a:rPr>
               <a:t>Hit and trial is needed to solve encoding/decoding issue</a:t>
             </a:r>
+            <a:endParaRPr lang="en-US" dirty="0">
+              <a:solidFill>
+                <a:srgbClr val="0432FF"/>
+              </a:solidFill>
+            </a:endParaRPr>
           </a:p>
         </p:txBody>
       </p:sp>
@@ -3983,6 +3998,7 @@
               <a:rPr lang="x-none" dirty="0"/>
               <a:t>Outline</a:t>
             </a:r>
+            <a:endParaRPr lang="x-none" dirty="0"/>
           </a:p>
         </p:txBody>
       </p:sp>
@@ -4009,6 +4025,11 @@
               </a:rPr>
               <a:t>Weekly report</a:t>
             </a:r>
+            <a:endParaRPr lang="x-none" dirty="0">
+              <a:solidFill>
+                <a:srgbClr val="0432FF"/>
+              </a:solidFill>
+            </a:endParaRPr>
           </a:p>
           <a:p>
             <a:r>
@@ -4019,6 +4040,11 @@
               </a:rPr>
               <a:t>Summary of this week’s work</a:t>
             </a:r>
+            <a:endParaRPr lang="x-none" dirty="0">
+              <a:solidFill>
+                <a:srgbClr val="0432FF"/>
+              </a:solidFill>
+            </a:endParaRPr>
           </a:p>
           <a:p>
             <a:r>
@@ -4029,6 +4055,11 @@
               </a:rPr>
               <a:t>Your work</a:t>
             </a:r>
+            <a:endParaRPr lang="x-none" dirty="0">
+              <a:solidFill>
+                <a:srgbClr val="0432FF"/>
+              </a:solidFill>
+            </a:endParaRPr>
           </a:p>
           <a:p>
             <a:r>
@@ -4039,6 +4070,11 @@
               </a:rPr>
               <a:t>Conclusion</a:t>
             </a:r>
+            <a:endParaRPr lang="x-none" dirty="0">
+              <a:solidFill>
+                <a:srgbClr val="0432FF"/>
+              </a:solidFill>
+            </a:endParaRPr>
           </a:p>
           <a:p>
             <a:r>
@@ -4049,6 +4085,11 @@
               </a:rPr>
               <a:t>Your opinion/thought</a:t>
             </a:r>
+            <a:endParaRPr lang="x-none" dirty="0">
+              <a:solidFill>
+                <a:srgbClr val="0432FF"/>
+              </a:solidFill>
+            </a:endParaRPr>
           </a:p>
           <a:p>
             <a:r>
@@ -4059,6 +4100,11 @@
               </a:rPr>
               <a:t>Action item</a:t>
             </a:r>
+            <a:endParaRPr lang="x-none" dirty="0">
+              <a:solidFill>
+                <a:srgbClr val="0432FF"/>
+              </a:solidFill>
+            </a:endParaRPr>
           </a:p>
         </p:txBody>
       </p:sp>
@@ -4106,6 +4152,7 @@
               <a:rPr lang="x-none" dirty="0"/>
               <a:t>Weekly report</a:t>
             </a:r>
+            <a:endParaRPr lang="x-none" dirty="0"/>
           </a:p>
         </p:txBody>
       </p:sp>
@@ -4120,9 +4167,11 @@
           </p:nvPr>
         </p:nvPicPr>
         <p:blipFill>
-          <a:blip r:embed="rId2"/>
+          <a:blip r:embed="rId1"/>
           <a:srcRect/>
-          <a:stretch/>
+          <a:stretch>
+            <a:fillRect/>
+          </a:stretch>
         </p:blipFill>
         <p:spPr>
           <a:xfrm>
@@ -4210,6 +4259,11 @@
               </a:rPr>
               <a:t>Update draft summary report of KMITI</a:t>
             </a:r>
+            <a:endParaRPr lang="en-US" dirty="0">
+              <a:solidFill>
+                <a:srgbClr val="0432FF"/>
+              </a:solidFill>
+            </a:endParaRPr>
           </a:p>
           <a:p>
             <a:r>
@@ -4220,6 +4274,11 @@
               </a:rPr>
               <a:t>Progress ns-3 integration with SD-RAN</a:t>
             </a:r>
+            <a:endParaRPr lang="en-US" dirty="0">
+              <a:solidFill>
+                <a:srgbClr val="0432FF"/>
+              </a:solidFill>
+            </a:endParaRPr>
           </a:p>
         </p:txBody>
       </p:sp>
@@ -4299,6 +4358,11 @@
               </a:rPr>
               <a:t>How is the progress of ns3 integration with SD-RAN?</a:t>
             </a:r>
+            <a:endParaRPr lang="en-US" dirty="0">
+              <a:solidFill>
+                <a:srgbClr val="0432FF"/>
+              </a:solidFill>
+            </a:endParaRPr>
           </a:p>
         </p:txBody>
       </p:sp>
@@ -4561,6 +4625,11 @@
               </a:rPr>
               <a:t>Update summary and future plans</a:t>
             </a:r>
+            <a:endParaRPr lang="en-US" altLang="x-none" dirty="0">
+              <a:solidFill>
+                <a:srgbClr val="0432FF"/>
+              </a:solidFill>
+            </a:endParaRPr>
           </a:p>
         </p:txBody>
       </p:sp>
@@ -4588,12 +4657,14 @@
               <a:rPr lang="en-US"/>
               <a:t>Read interim report from previous report</a:t>
             </a:r>
+            <a:endParaRPr lang="en-US"/>
           </a:p>
           <a:p>
             <a:r>
               <a:rPr lang="en-US"/>
               <a:t>Create summary and future plans based on the ICGHIT paper and other references</a:t>
             </a:r>
+            <a:endParaRPr lang="en-US"/>
           </a:p>
         </p:txBody>
       </p:sp>
@@ -4856,6 +4927,11 @@
               </a:rPr>
               <a:t>asn1c installation</a:t>
             </a:r>
+            <a:endParaRPr lang="en-US" altLang="x-none" dirty="0">
+              <a:solidFill>
+                <a:srgbClr val="0432FF"/>
+              </a:solidFill>
+            </a:endParaRPr>
           </a:p>
         </p:txBody>
       </p:sp>
@@ -4885,7 +4961,7 @@
             </a:r>
             <a:r>
               <a:rPr lang="en-US" dirty="0">
-                <a:hlinkClick r:id="rId3"/>
+                <a:hlinkClick r:id="rId1"/>
               </a:rPr>
               <a:t>https://github.com/nokia/asn1c</a:t>
             </a:r>
@@ -4896,6 +4972,7 @@
               <a:rPr lang="en-US" dirty="0"/>
               <a:t>navigate to asn1c directory</a:t>
             </a:r>
+            <a:endParaRPr lang="en-US" dirty="0"/>
           </a:p>
           <a:p>
             <a:r>
@@ -4910,24 +4987,28 @@
               <a:rPr lang="en-US" dirty="0"/>
               <a:t> -iv</a:t>
             </a:r>
+            <a:endParaRPr lang="en-US" dirty="0"/>
           </a:p>
           <a:p>
             <a:r>
               <a:rPr lang="en-US" dirty="0"/>
               <a:t>./configure</a:t>
             </a:r>
+            <a:endParaRPr lang="en-US" dirty="0"/>
           </a:p>
           <a:p>
             <a:r>
               <a:rPr lang="en-US" dirty="0"/>
               <a:t>make</a:t>
             </a:r>
+            <a:endParaRPr lang="en-US" dirty="0"/>
           </a:p>
           <a:p>
             <a:r>
               <a:rPr lang="en-US" dirty="0"/>
               <a:t>make check</a:t>
             </a:r>
+            <a:endParaRPr lang="en-US" dirty="0"/>
           </a:p>
           <a:p>
             <a:r>
@@ -4938,6 +5019,7 @@
               <a:rPr lang="en-US" dirty="0"/>
               <a:t> make install</a:t>
             </a:r>
+            <a:endParaRPr lang="en-US" dirty="0"/>
           </a:p>
         </p:txBody>
       </p:sp>
@@ -5216,6 +5298,11 @@
               </a:rPr>
               <a:t> and C files</a:t>
             </a:r>
+            <a:endParaRPr lang="en-US" altLang="x-none" dirty="0">
+              <a:solidFill>
+                <a:srgbClr val="0432FF"/>
+              </a:solidFill>
+            </a:endParaRPr>
           </a:p>
         </p:txBody>
       </p:sp>
@@ -5253,7 +5340,7 @@
             </a:r>
             <a:r>
               <a:rPr lang="en-US" dirty="0">
-                <a:hlinkClick r:id="rId3"/>
+                <a:hlinkClick r:id="rId1"/>
               </a:rPr>
               <a:t>https://github.com/o-ran-sc/ric-plt-e2/tree/master/RIC-E2-TERMINATION/3rdparty/asnTextFiles</a:t>
             </a:r>
@@ -5282,7 +5369,7 @@
             </a:r>
             <a:r>
               <a:rPr lang="en-US" dirty="0">
-                <a:hlinkClick r:id="rId4"/>
+                <a:hlinkClick r:id="rId2"/>
               </a:rPr>
               <a:t>https://github.com/onosproject/onos-e2-sm/tree/master/servicemodels</a:t>
             </a:r>
@@ -5290,6 +5377,7 @@
               <a:rPr lang="en-US" dirty="0"/>
               <a:t> </a:t>
             </a:r>
+            <a:endParaRPr lang="en-US" dirty="0"/>
           </a:p>
           <a:p>
             <a:pPr lvl="1"/>
@@ -5599,7 +5687,7 @@
             </a:r>
             <a:r>
               <a:rPr lang="en-US" dirty="0">
-                <a:hlinkClick r:id="rId3"/>
+                <a:hlinkClick r:id="rId1"/>
               </a:rPr>
               <a:t>https://github.com/dhanifudin/ns-o-ran-e2-sim/tree/develop/e2sim/src </a:t>
             </a:r>
@@ -5607,16 +5695,17 @@
               <a:rPr lang="en-US" dirty="0"/>
               <a:t> to store .c and .h file</a:t>
             </a:r>
+            <a:endParaRPr lang="en-US" dirty="0"/>
           </a:p>
           <a:p>
             <a:pPr lvl="1"/>
             <a:r>
               <a:rPr lang="en-US" dirty="0"/>
-              <a:t>Modify library and targets in </a:t>
+              <a:t>Modify library and targets in CM</a:t>
             </a:r>
             <a:r>
               <a:rPr lang="en-US" dirty="0" err="1"/>
-              <a:t>cmakelist.txt</a:t>
+              <a:t>akeList.txt</a:t>
             </a:r>
             <a:endParaRPr lang="en-US" dirty="0"/>
           </a:p>
@@ -5626,6 +5715,15 @@
               <a:rPr lang="en-US" dirty="0"/>
               <a:t>Error still exist because undefined member and function</a:t>
             </a:r>
+            <a:endParaRPr lang="en-US" dirty="0"/>
+          </a:p>
+          <a:p>
+            <a:pPr lvl="1"/>
+            <a:r>
+              <a:rPr lang="en-US" dirty="0"/>
+              <a:t>KPM from ns-o-ran-e2-sim project have different member and function with KPM used in onos-e2-sm</a:t>
+            </a:r>
+            <a:endParaRPr lang="en-US" dirty="0"/>
           </a:p>
         </p:txBody>
       </p:sp>
@@ -5888,8 +5986,6 @@
       </a:bgFillStyleLst>
     </a:fmtScheme>
   </a:themeElements>
-  <a:objectDefaults/>
-  <a:extraClrSchemeLst/>
   <a:extLst>
     <a:ext uri="{05A4C25C-085E-4340-85A3-A5531E510DB2}">
       <thm15:themeFamily xmlns:thm15="http://schemas.microsoft.com/office/thememl/2012/main" name="Office Theme" id="{62F939B6-93AF-4DB8-9C6B-D6C7DFDC589F}" vid="{4A3C46E8-61CC-4603-A589-7422A47A8E4A}"/>
@@ -6149,8 +6245,6 @@
       </a:bgFillStyleLst>
     </a:fmtScheme>
   </a:themeElements>
-  <a:objectDefaults/>
-  <a:extraClrSchemeLst/>
   <a:extLst>
     <a:ext uri="{05A4C25C-085E-4340-85A3-A5531E510DB2}">
       <thm15:themeFamily xmlns:thm15="http://schemas.microsoft.com/office/thememl/2012/main" name="Office Theme" id="{62F939B6-93AF-4DB8-9C6B-D6C7DFDC589F}" vid="{4A3C46E8-61CC-4603-A589-7422A47A8E4A}"/>
